--- a/signage/instagram_folding_card.pptx
+++ b/signage/instagram_folding_card.pptx
@@ -104,6 +104,27 @@
       </a:defRPr>
     </a:lvl9pPr>
   </p:defaultTextStyle>
+  <p:extLst>
+    <p:ext uri="{EFAFB233-063F-42B5-8137-9DF3F51BA10A}">
+      <p15:sldGuideLst xmlns:p15="http://schemas.microsoft.com/office/powerpoint/2012/main">
+        <p15:guide id="1" orient="horz" pos="3168">
+          <p15:clr>
+            <a:srgbClr val="A4A3A4"/>
+          </p15:clr>
+        </p15:guide>
+        <p15:guide id="2" pos="2448">
+          <p15:clr>
+            <a:srgbClr val="A4A3A4"/>
+          </p15:clr>
+        </p15:guide>
+        <p15:guide id="3" orient="horz" pos="4776" userDrawn="1">
+          <p15:clr>
+            <a:srgbClr val="A4A3A4"/>
+          </p15:clr>
+        </p15:guide>
+      </p15:sldGuideLst>
+    </p:ext>
+  </p:extLst>
 </p:presentation>
 </file>
 
@@ -3108,7 +3129,7 @@
         </p:nvSpPr>
         <p:spPr>
           <a:xfrm>
-            <a:off x="3886200" y="8280993"/>
+            <a:off x="3886200" y="5668421"/>
             <a:ext cx="3886200" cy="1446550"/>
           </a:xfrm>
           <a:prstGeom prst="rect">
@@ -3173,13 +3194,6 @@
               </a:rPr>
               <a:t>@AZELLAZ</a:t>
             </a:r>
-            <a:endParaRPr lang="en-US" sz="4400" cap="small" dirty="0">
-              <a:solidFill>
-                <a:srgbClr val="395F90"/>
-              </a:solidFill>
-              <a:latin typeface="BenchNine Bold"/>
-              <a:cs typeface="BenchNine Bold"/>
-            </a:endParaRPr>
           </a:p>
         </p:txBody>
       </p:sp>
@@ -3191,7 +3205,7 @@
         </p:nvSpPr>
         <p:spPr>
           <a:xfrm>
-            <a:off x="0" y="8280993"/>
+            <a:off x="0" y="5668421"/>
             <a:ext cx="3886200" cy="1446550"/>
           </a:xfrm>
           <a:prstGeom prst="rect">
